--- a/LC_Present.pptx
+++ b/LC_Present.pptx
@@ -213,7 +213,7 @@
           <a:p>
             <a:fld id="{F084C469-4654-924B-9E7C-7D70A1EABBB0}" type="datetimeFigureOut">
               <a:rPr lang="en-US" smtClean="0"/>
-              <a:t>7/31/18</a:t>
+              <a:t>8/16/18</a:t>
             </a:fld>
             <a:endParaRPr lang="en-US"/>
           </a:p>
@@ -378,7 +378,7 @@
           <a:p>
             <a:fld id="{28A1C761-47CE-5242-9E80-49633AEE85E5}" type="datetimeFigureOut">
               <a:rPr lang="en-US" smtClean="0"/>
-              <a:t>7/31/18</a:t>
+              <a:t>8/16/18</a:t>
             </a:fld>
             <a:endParaRPr lang="en-US"/>
           </a:p>
@@ -794,7 +794,17 @@
           <a:p>
             <a:r>
               <a:rPr lang="en-US" baseline="0" dirty="0" smtClean="0"/>
-              <a:t>1 of ideal characteristics to be lionfish prey</a:t>
+              <a:t>1 of ideal characteristics to be lionfish </a:t>
+            </a:r>
+            <a:r>
+              <a:rPr lang="en-US" baseline="0" dirty="0" smtClean="0"/>
+              <a:t>prey.</a:t>
+            </a:r>
+          </a:p>
+          <a:p>
+            <a:r>
+              <a:rPr lang="en-US" baseline="0" dirty="0" smtClean="0"/>
+              <a:t>25 species in this family.</a:t>
             </a:r>
             <a:endParaRPr lang="en-US" dirty="0"/>
           </a:p>
@@ -888,7 +898,25 @@
           <a:p>
             <a:r>
               <a:rPr lang="en-US" dirty="0" smtClean="0"/>
-              <a:t>Juveniles have long, slender bodies and are small enough to be LF prey.</a:t>
+              <a:t>Juveniles have long, slender bodies and are small enough to be LF prey</a:t>
+            </a:r>
+            <a:r>
+              <a:rPr lang="en-US" dirty="0" smtClean="0"/>
+              <a:t>.</a:t>
+            </a:r>
+          </a:p>
+          <a:p>
+            <a:r>
+              <a:rPr lang="en-US" dirty="0" smtClean="0"/>
+              <a:t>39 species in this family including Goliath Grouper,</a:t>
+            </a:r>
+            <a:r>
+              <a:rPr lang="en-US" baseline="0" dirty="0" smtClean="0"/>
+              <a:t> </a:t>
+            </a:r>
+            <a:r>
+              <a:rPr lang="en-US" dirty="0" smtClean="0"/>
+              <a:t>Nassau Grouper and Tiger Grouper.</a:t>
             </a:r>
             <a:endParaRPr lang="en-US" dirty="0"/>
           </a:p>
@@ -999,7 +1027,21 @@
           <a:p>
             <a:r>
               <a:rPr lang="en-US" dirty="0" smtClean="0"/>
-              <a:t>Juveniles have long, slender bodies and are small enough to be LF prey.</a:t>
+              <a:t>Juveniles have long, slender bodies and are small enough to be LF prey</a:t>
+            </a:r>
+            <a:r>
+              <a:rPr lang="en-US" dirty="0" smtClean="0"/>
+              <a:t>.</a:t>
+            </a:r>
+          </a:p>
+          <a:p>
+            <a:r>
+              <a:rPr lang="en-US" dirty="0" smtClean="0"/>
+              <a:t>10 species</a:t>
+            </a:r>
+            <a:r>
+              <a:rPr lang="en-US" baseline="0" dirty="0" smtClean="0"/>
+              <a:t> in this family.</a:t>
             </a:r>
             <a:endParaRPr lang="en-US" dirty="0"/>
           </a:p>
@@ -1131,7 +1173,34 @@
             </a:pPr>
             <a:r>
               <a:rPr lang="en-US" baseline="0" dirty="0" smtClean="0"/>
-              <a:t>Discovered in stomach contents of lionfish.</a:t>
+              <a:t>Discovered in stomach contents of lionfish</a:t>
+            </a:r>
+            <a:r>
+              <a:rPr lang="en-US" baseline="0" dirty="0" smtClean="0"/>
+              <a:t>.</a:t>
+            </a:r>
+          </a:p>
+          <a:p>
+            <a:pPr marL="0" marR="0" indent="0" algn="l" defTabSz="457200" rtl="0" eaLnBrk="1" fontAlgn="auto" latinLnBrk="0" hangingPunct="1">
+              <a:lnSpc>
+                <a:spcPct val="100000"/>
+              </a:lnSpc>
+              <a:spcBef>
+                <a:spcPts val="0"/>
+              </a:spcBef>
+              <a:spcAft>
+                <a:spcPts val="0"/>
+              </a:spcAft>
+              <a:buClrTx/>
+              <a:buSzTx/>
+              <a:buFontTx/>
+              <a:buNone/>
+              <a:tabLst/>
+              <a:defRPr/>
+            </a:pPr>
+            <a:r>
+              <a:rPr lang="en-US" baseline="0" dirty="0" smtClean="0"/>
+              <a:t>16 species in this family.</a:t>
             </a:r>
             <a:endParaRPr lang="en-US" dirty="0" smtClean="0"/>
           </a:p>
@@ -1229,7 +1298,15 @@
           <a:p>
             <a:r>
               <a:rPr lang="en-US" dirty="0" smtClean="0"/>
-              <a:t>Data split at 2-17-2009.</a:t>
+              <a:t>Data split </a:t>
+            </a:r>
+            <a:r>
+              <a:rPr lang="en-US" dirty="0" smtClean="0"/>
+              <a:t>at 17 February 2009</a:t>
+            </a:r>
+            <a:r>
+              <a:rPr lang="en-US" dirty="0" smtClean="0"/>
+              <a:t>.</a:t>
             </a:r>
           </a:p>
           <a:p>
@@ -1323,7 +1400,11 @@
           <a:p>
             <a:r>
               <a:rPr lang="en-US" dirty="0" smtClean="0"/>
-              <a:t>22 windows</a:t>
+              <a:t>22 </a:t>
+            </a:r>
+            <a:r>
+              <a:rPr lang="en-US" dirty="0" smtClean="0"/>
+              <a:t>windows – partial windows not used.</a:t>
             </a:r>
             <a:endParaRPr lang="en-US" dirty="0"/>
           </a:p>
@@ -1717,8 +1798,23 @@
           <a:p>
             <a:r>
               <a:rPr lang="en-US" dirty="0" smtClean="0"/>
-              <a:t>REEF already has culling events.</a:t>
-            </a:r>
+              <a:t>REEF already has culling events</a:t>
+            </a:r>
+            <a:r>
+              <a:rPr lang="en-US" dirty="0" smtClean="0"/>
+              <a:t>.</a:t>
+            </a:r>
+          </a:p>
+          <a:p>
+            <a:r>
+              <a:rPr lang="en-US" dirty="0" smtClean="0"/>
+              <a:t>Little</a:t>
+            </a:r>
+            <a:r>
+              <a:rPr lang="en-US" baseline="0" dirty="0" smtClean="0"/>
+              <a:t> Cayman has volunteers culling on a regular basis.</a:t>
+            </a:r>
+            <a:endParaRPr lang="en-US" dirty="0" smtClean="0"/>
           </a:p>
           <a:p>
             <a:r>
@@ -1727,7 +1823,15 @@
             </a:r>
             <a:r>
               <a:rPr lang="en-US" baseline="0" dirty="0" smtClean="0"/>
-              <a:t> nations and countries with coast line could begin events.</a:t>
+              <a:t> nations and countries with </a:t>
+            </a:r>
+            <a:r>
+              <a:rPr lang="en-US" baseline="0" dirty="0" smtClean="0"/>
+              <a:t>coastline </a:t>
+            </a:r>
+            <a:r>
+              <a:rPr lang="en-US" baseline="0" dirty="0" smtClean="0"/>
+              <a:t>could begin events.</a:t>
             </a:r>
             <a:endParaRPr lang="en-US" dirty="0" smtClean="0"/>
           </a:p>
@@ -4418,7 +4522,7 @@
             <a:fld id="{E30E2307-1E40-4E12-8716-25BFDA8E7013}" type="datetime1">
               <a:rPr lang="en-US" smtClean="0"/>
               <a:pPr/>
-              <a:t>7/31/18</a:t>
+              <a:t>8/16/18</a:t>
             </a:fld>
             <a:endParaRPr lang="en-US"/>
           </a:p>
@@ -4601,7 +4705,7 @@
             <a:fld id="{E5CFCF5A-EA79-452C-A52C-1A2668C2E7DF}" type="datetime1">
               <a:rPr lang="en-US" smtClean="0"/>
               <a:pPr/>
-              <a:t>7/31/18</a:t>
+              <a:t>8/16/18</a:t>
             </a:fld>
             <a:endParaRPr lang="en-US"/>
           </a:p>
@@ -4754,7 +4858,7 @@
             <a:fld id="{2E5C4C28-BD4B-4892-9A2D-6E19BD753A9A}" type="datetime1">
               <a:rPr lang="en-US" smtClean="0"/>
               <a:pPr/>
-              <a:t>7/31/18</a:t>
+              <a:t>8/16/18</a:t>
             </a:fld>
             <a:endParaRPr lang="en-US"/>
           </a:p>
@@ -6582,7 +6686,7 @@
             <a:fld id="{61FD9D02-426E-46C9-9EE9-0DE1EF8B2838}" type="datetime1">
               <a:rPr lang="en-US" smtClean="0"/>
               <a:pPr/>
-              <a:t>7/31/18</a:t>
+              <a:t>8/16/18</a:t>
             </a:fld>
             <a:endParaRPr lang="en-US"/>
           </a:p>
@@ -8454,7 +8558,7 @@
             <a:fld id="{7B8AEBBE-F8B2-42CF-9895-E86A608384EB}" type="datetime1">
               <a:rPr lang="en-US" smtClean="0"/>
               <a:pPr/>
-              <a:t>7/31/18</a:t>
+              <a:t>8/16/18</a:t>
             </a:fld>
             <a:endParaRPr lang="en-US"/>
           </a:p>
@@ -8569,7 +8673,7 @@
             <a:fld id="{E1FAA6B6-10E5-4810-BC9F-DA72D8452E73}" type="datetime1">
               <a:rPr lang="en-US" smtClean="0"/>
               <a:pPr/>
-              <a:t>7/31/18</a:t>
+              <a:t>8/16/18</a:t>
             </a:fld>
             <a:endParaRPr lang="en-US"/>
           </a:p>
@@ -9112,7 +9216,7 @@
             <a:fld id="{6D18D072-EF12-4AA2-BD71-ABC68B06D0E2}" type="datetime1">
               <a:rPr lang="en-US" smtClean="0"/>
               <a:pPr/>
-              <a:t>7/31/18</a:t>
+              <a:t>8/16/18</a:t>
             </a:fld>
             <a:endParaRPr lang="en-US"/>
           </a:p>
@@ -9227,7 +9331,7 @@
             <a:fld id="{B8CDBF60-6CC3-4B74-A60D-3486985E4346}" type="datetime1">
               <a:rPr lang="en-US" smtClean="0"/>
               <a:pPr/>
-              <a:t>7/31/18</a:t>
+              <a:t>8/16/18</a:t>
             </a:fld>
             <a:endParaRPr lang="en-US"/>
           </a:p>
@@ -10940,7 +11044,7 @@
             <a:fld id="{22714818-984F-4759-BF72-A33BDC1963BD}" type="datetime1">
               <a:rPr lang="en-US" smtClean="0"/>
               <a:pPr/>
-              <a:t>7/31/18</a:t>
+              <a:t>8/16/18</a:t>
             </a:fld>
             <a:endParaRPr lang="en-US"/>
           </a:p>
@@ -11093,7 +11197,7 @@
             <a:fld id="{9EA7E191-5F94-4FC1-B823-BD7CABF7FA06}" type="datetime1">
               <a:rPr lang="en-US" smtClean="0"/>
               <a:pPr/>
-              <a:t>7/31/18</a:t>
+              <a:t>8/16/18</a:t>
             </a:fld>
             <a:endParaRPr lang="en-US"/>
           </a:p>
@@ -14710,7 +14814,7 @@
             <a:fld id="{88856D55-EFBE-4F9B-8A5F-09D42CA22A9B}" type="datetime1">
               <a:rPr lang="en-US" smtClean="0"/>
               <a:pPr/>
-              <a:t>7/31/18</a:t>
+              <a:t>8/16/18</a:t>
             </a:fld>
             <a:endParaRPr lang="en-US"/>
           </a:p>
@@ -16571,7 +16675,7 @@
             <a:fld id="{9D1D110F-3F4E-48D9-B8AA-5D0E825AFDBA}" type="datetime1">
               <a:rPr lang="en-US" smtClean="0"/>
               <a:pPr/>
-              <a:t>7/31/18</a:t>
+              <a:t>8/16/18</a:t>
             </a:fld>
             <a:endParaRPr lang="en-US"/>
           </a:p>
@@ -17121,31 +17225,23 @@
             <a:pPr algn="ctr"/>
             <a:r>
               <a:rPr lang="en-US" dirty="0" smtClean="0"/>
-              <a:t> </a:t>
-            </a:r>
+              <a:t> Capstone Project</a:t>
+            </a:r>
+          </a:p>
+          <a:p>
+            <a:endParaRPr lang="en-US" dirty="0"/>
+          </a:p>
+          <a:p>
+            <a:endParaRPr lang="en-US" dirty="0" smtClean="0"/>
+          </a:p>
+          <a:p>
+            <a:endParaRPr lang="en-US" dirty="0"/>
+          </a:p>
+          <a:p>
+            <a:pPr algn="ctr"/>
             <a:r>
               <a:rPr lang="en-US" dirty="0" smtClean="0"/>
-              <a:t>Capstone Project</a:t>
-            </a:r>
-          </a:p>
-          <a:p>
-            <a:endParaRPr lang="en-US" dirty="0"/>
-          </a:p>
-          <a:p>
-            <a:endParaRPr lang="en-US" dirty="0" smtClean="0"/>
-          </a:p>
-          <a:p>
-            <a:endParaRPr lang="en-US" dirty="0"/>
-          </a:p>
-          <a:p>
-            <a:pPr algn="ctr"/>
-            <a:r>
-              <a:rPr lang="en-US" dirty="0" smtClean="0"/>
-              <a:t>Kevin </a:t>
-            </a:r>
-            <a:r>
-              <a:rPr lang="en-US" dirty="0" smtClean="0"/>
-              <a:t>Tajkowski, M.S.</a:t>
+              <a:t>Kevin Tajkowski, M.S.</a:t>
             </a:r>
             <a:endParaRPr lang="en-US" dirty="0"/>
           </a:p>
@@ -17169,12 +17265,28 @@
           <a:lstStyle/>
           <a:p>
             <a:r>
+              <a:rPr lang="en-US" sz="2000" b="1" dirty="0" smtClean="0">
+                <a:solidFill>
+                  <a:schemeClr val="bg1"/>
+                </a:solidFill>
+              </a:rPr>
+              <a:t>The Impact of Red </a:t>
+            </a:r>
+            <a:r>
               <a:rPr lang="en-US" sz="2000" b="1" dirty="0">
                 <a:solidFill>
                   <a:schemeClr val="bg1"/>
                 </a:solidFill>
               </a:rPr>
-              <a:t>An analysis of the ecological </a:t>
+              <a:t>Lionfish (</a:t>
+            </a:r>
+            <a:r>
+              <a:rPr lang="en-US" sz="2000" b="1" dirty="0" err="1" smtClean="0">
+                <a:solidFill>
+                  <a:schemeClr val="bg1"/>
+                </a:solidFill>
+              </a:rPr>
+              <a:t>Pterois</a:t>
             </a:r>
             <a:r>
               <a:rPr lang="en-US" sz="2000" b="1" dirty="0" smtClean="0">
@@ -17182,7 +17294,23 @@
                   <a:schemeClr val="bg1"/>
                 </a:solidFill>
               </a:rPr>
-              <a:t>impacts</a:t>
+              <a:t> miles and P. </a:t>
+            </a:r>
+            <a:r>
+              <a:rPr lang="en-US" sz="2000" b="1" dirty="0" err="1" smtClean="0">
+                <a:solidFill>
+                  <a:schemeClr val="bg1"/>
+                </a:solidFill>
+              </a:rPr>
+              <a:t>volitans</a:t>
+            </a:r>
+            <a:r>
+              <a:rPr lang="en-US" sz="2000" b="1" dirty="0" smtClean="0">
+                <a:solidFill>
+                  <a:schemeClr val="bg1"/>
+                </a:solidFill>
+              </a:rPr>
+              <a:t>)</a:t>
             </a:r>
             <a:br>
               <a:rPr lang="en-US" sz="2000" b="1" dirty="0" smtClean="0">
@@ -17197,7 +17325,7 @@
                   <a:schemeClr val="bg1"/>
                 </a:solidFill>
               </a:rPr>
-              <a:t> </a:t>
+              <a:t>at Little </a:t>
             </a:r>
             <a:r>
               <a:rPr lang="en-US" sz="2000" b="1" dirty="0">
@@ -17205,62 +17333,7 @@
                   <a:schemeClr val="bg1"/>
                 </a:solidFill>
               </a:rPr>
-              <a:t>of the Red Lionfish (</a:t>
-            </a:r>
-            <a:r>
-              <a:rPr lang="en-US" sz="2000" b="1" dirty="0" err="1">
-                <a:solidFill>
-                  <a:schemeClr val="bg1"/>
-                </a:solidFill>
-              </a:rPr>
-              <a:t>Pterios</a:t>
-            </a:r>
-            <a:r>
-              <a:rPr lang="en-US" sz="2000" b="1" dirty="0">
-                <a:solidFill>
-                  <a:schemeClr val="bg1"/>
-                </a:solidFill>
-              </a:rPr>
-              <a:t> </a:t>
-            </a:r>
-            <a:r>
-              <a:rPr lang="en-US" sz="2000" b="1" dirty="0" err="1" smtClean="0">
-                <a:solidFill>
-                  <a:schemeClr val="bg1"/>
-                </a:solidFill>
-              </a:rPr>
-              <a:t>volitans</a:t>
-            </a:r>
-            <a:r>
-              <a:rPr lang="en-US" sz="2000" b="1" dirty="0" smtClean="0">
-                <a:solidFill>
-                  <a:schemeClr val="bg1"/>
-                </a:solidFill>
-              </a:rPr>
-              <a:t>) invasion</a:t>
-            </a:r>
-            <a:br>
-              <a:rPr lang="en-US" sz="2000" b="1" dirty="0" smtClean="0">
-                <a:solidFill>
-                  <a:schemeClr val="bg1"/>
-                </a:solidFill>
-              </a:rPr>
-            </a:br>
-            <a:r>
-              <a:rPr lang="en-US" sz="2000" b="1" dirty="0" smtClean="0">
-                <a:solidFill>
-                  <a:schemeClr val="bg1"/>
-                </a:solidFill>
-              </a:rPr>
-              <a:t> </a:t>
-            </a:r>
-            <a:r>
-              <a:rPr lang="en-US" sz="2000" b="1" dirty="0">
-                <a:solidFill>
-                  <a:schemeClr val="bg1"/>
-                </a:solidFill>
-              </a:rPr>
-              <a:t>at dive sites near Little Cayman Island</a:t>
+              <a:t>Cayman Island</a:t>
             </a:r>
             <a:r>
               <a:rPr lang="en-US" sz="2000" b="1" dirty="0" smtClean="0">
@@ -17806,7 +17879,7 @@
         <p:spPr>
           <a:xfrm>
             <a:off x="6108600" y="2722601"/>
-            <a:ext cx="2416144" cy="2031325"/>
+            <a:ext cx="2416144" cy="2585323"/>
           </a:xfrm>
           <a:prstGeom prst="rect">
             <a:avLst/>
@@ -17821,7 +17894,11 @@
           <a:p>
             <a:r>
               <a:rPr lang="en-US" dirty="0" smtClean="0"/>
-              <a:t>3-year moving window</a:t>
+              <a:t>3-year moving </a:t>
+            </a:r>
+            <a:r>
+              <a:rPr lang="en-US" dirty="0" smtClean="0"/>
+              <a:t>window</a:t>
             </a:r>
           </a:p>
           <a:p>
@@ -17839,8 +17916,19 @@
           <a:p>
             <a:r>
               <a:rPr lang="en-US" dirty="0" smtClean="0"/>
-              <a:t>Start date: 3/27/94</a:t>
-            </a:r>
+              <a:t>Start date</a:t>
+            </a:r>
+            <a:r>
+              <a:rPr lang="en-US" dirty="0" smtClean="0"/>
+              <a:t>:</a:t>
+            </a:r>
+          </a:p>
+          <a:p>
+            <a:r>
+              <a:rPr lang="en-US" dirty="0" smtClean="0"/>
+              <a:t> 27 March 1994</a:t>
+            </a:r>
+            <a:endParaRPr lang="en-US" dirty="0" smtClean="0"/>
           </a:p>
           <a:p>
             <a:endParaRPr lang="en-US" dirty="0"/>
@@ -17848,7 +17936,17 @@
           <a:p>
             <a:r>
               <a:rPr lang="en-US" dirty="0" smtClean="0"/>
-              <a:t>End date: 3/27/18</a:t>
+              <a:t>End date</a:t>
+            </a:r>
+            <a:r>
+              <a:rPr lang="en-US" dirty="0" smtClean="0"/>
+              <a:t>:</a:t>
+            </a:r>
+          </a:p>
+          <a:p>
+            <a:r>
+              <a:rPr lang="en-US" dirty="0" smtClean="0"/>
+              <a:t> 27 March 2018</a:t>
             </a:r>
             <a:endParaRPr lang="en-US" dirty="0"/>
           </a:p>
@@ -18109,7 +18207,11 @@
             </a:pPr>
             <a:r>
               <a:rPr lang="en-US" sz="2000" dirty="0" smtClean="0"/>
-              <a:t>Slope on the order of 1 e -04</a:t>
+              <a:t>Slope on the order of 10</a:t>
+            </a:r>
+            <a:r>
+              <a:rPr lang="en-US" sz="2000" baseline="30000" dirty="0" smtClean="0"/>
+              <a:t>-4</a:t>
             </a:r>
           </a:p>
           <a:p>
@@ -18355,8 +18457,8 @@
               </a:lnSpc>
             </a:pPr>
             <a:r>
-              <a:rPr lang="en-US" sz="1600" dirty="0" smtClean="0"/>
-              <a:t>European Starling</a:t>
+              <a:rPr lang="en-US" sz="1600" dirty="0"/>
+              <a:t>Common Rabbit</a:t>
             </a:r>
           </a:p>
           <a:p>
@@ -18366,8 +18468,8 @@
               </a:lnSpc>
             </a:pPr>
             <a:r>
-              <a:rPr lang="en-US" sz="1600" dirty="0" smtClean="0"/>
-              <a:t>Cane Toad</a:t>
+              <a:rPr lang="en-US" sz="1600" dirty="0"/>
+              <a:t>Kudzu (a vine)</a:t>
             </a:r>
           </a:p>
           <a:p>
@@ -18378,7 +18480,7 @@
             </a:pPr>
             <a:r>
               <a:rPr lang="en-US" sz="1600" dirty="0" smtClean="0"/>
-              <a:t>Water Hyacinth</a:t>
+              <a:t>European Starling</a:t>
             </a:r>
           </a:p>
           <a:p>
@@ -18389,7 +18491,7 @@
             </a:pPr>
             <a:r>
               <a:rPr lang="en-US" sz="1600" dirty="0" smtClean="0"/>
-              <a:t>Kudzu (a vine)</a:t>
+              <a:t>Cane Toad</a:t>
             </a:r>
           </a:p>
           <a:p>
@@ -18400,7 +18502,7 @@
             </a:pPr>
             <a:r>
               <a:rPr lang="en-US" sz="1600" dirty="0" smtClean="0"/>
-              <a:t>Common Rabbit</a:t>
+              <a:t>Water Hyacinth</a:t>
             </a:r>
           </a:p>
           <a:p>
@@ -18422,11 +18524,7 @@
             </a:pPr>
             <a:r>
               <a:rPr lang="en-US" sz="1600" dirty="0" smtClean="0"/>
-              <a:t>Zebra </a:t>
-            </a:r>
-            <a:r>
-              <a:rPr lang="en-US" sz="1600" dirty="0" smtClean="0"/>
-              <a:t>Mussels</a:t>
+              <a:t>Zebra Mussels</a:t>
             </a:r>
           </a:p>
           <a:p>
@@ -18441,7 +18539,7 @@
             </a:r>
             <a:r>
               <a:rPr lang="en-US" sz="1600" dirty="0" err="1" smtClean="0"/>
-              <a:t>pterios</a:t>
+              <a:t>Pterois</a:t>
             </a:r>
             <a:r>
               <a:rPr lang="en-US" sz="1600" dirty="0" smtClean="0"/>
@@ -18455,7 +18553,6 @@
               <a:rPr lang="en-US" sz="1600" dirty="0" smtClean="0"/>
               <a:t>)</a:t>
             </a:r>
-            <a:endParaRPr lang="en-US" sz="1600" dirty="0" smtClean="0"/>
           </a:p>
         </p:txBody>
       </p:sp>
@@ -18793,7 +18890,7 @@
             </a:pPr>
             <a:r>
               <a:rPr lang="en-US" sz="1600" dirty="0" smtClean="0"/>
-              <a:t>Simon Fraser University</a:t>
+              <a:t>Simon Fraser University (British Columbia, Canada)</a:t>
             </a:r>
           </a:p>
           <a:p>
@@ -19163,7 +19260,15 @@
             </a:pPr>
             <a:r>
               <a:rPr lang="en-US" sz="1600" dirty="0" smtClean="0"/>
-              <a:t>Diver status: Novice or Expert</a:t>
+              <a:t>Diver </a:t>
+            </a:r>
+            <a:r>
+              <a:rPr lang="en-US" sz="1600" dirty="0" smtClean="0"/>
+              <a:t>survey status</a:t>
+            </a:r>
+            <a:r>
+              <a:rPr lang="en-US" sz="1600" dirty="0" smtClean="0"/>
+              <a:t>: Novice or Expert</a:t>
             </a:r>
           </a:p>
           <a:p>
@@ -19358,11 +19463,7 @@
             <a:pPr algn="ctr"/>
             <a:r>
               <a:rPr lang="en-US" dirty="0" smtClean="0"/>
-              <a:t>First </a:t>
-            </a:r>
-            <a:r>
-              <a:rPr lang="en-US" dirty="0" smtClean="0"/>
-              <a:t>recorded sighting:</a:t>
+              <a:t>First recorded sighting:</a:t>
             </a:r>
           </a:p>
           <a:p>
@@ -19373,7 +19474,11 @@
             </a:r>
             <a:r>
               <a:rPr lang="en-US" dirty="0" smtClean="0"/>
-              <a:t>February 17, 2009</a:t>
+              <a:t>17 February </a:t>
+            </a:r>
+            <a:r>
+              <a:rPr lang="en-US" dirty="0" smtClean="0"/>
+              <a:t>2009</a:t>
             </a:r>
             <a:endParaRPr lang="en-US" dirty="0"/>
           </a:p>
